--- a/wk09/퀴즈6_20165326_이인호.pptx
+++ b/wk09/퀴즈6_20165326_이인호.pptx
@@ -107,6 +107,11 @@
       </a:defRPr>
     </a:lvl9pPr>
   </p:defaultTextStyle>
+  <p:extLst>
+    <p:ext uri="{EFAFB233-063F-42B5-8137-9DF3F51BA10A}">
+      <p15:sldGuideLst xmlns:p15="http://schemas.microsoft.com/office/powerpoint/2012/main"/>
+    </p:ext>
+  </p:extLst>
 </p:presentation>
 </file>
 
@@ -3871,10 +3876,10 @@
       </p:pic>
       <p:pic>
         <p:nvPicPr>
-          <p:cNvPr id="22" name="내용 개체 틀 21">
-            <a:extLst>
-              <a:ext uri="{FF2B5EF4-FFF2-40B4-BE49-F238E27FC236}">
-                <a16:creationId xmlns:a16="http://schemas.microsoft.com/office/drawing/2014/main" id="{46245B35-A583-8FE2-E024-76482A1319FD}"/>
+          <p:cNvPr id="6" name="내용 개체 틀 5">
+            <a:extLst>
+              <a:ext uri="{FF2B5EF4-FFF2-40B4-BE49-F238E27FC236}">
+                <a16:creationId xmlns:a16="http://schemas.microsoft.com/office/drawing/2014/main" id="{71882EB1-619E-8509-FB18-33A4050E3EDA}"/>
               </a:ext>
             </a:extLst>
           </p:cNvPr>
@@ -3893,8 +3898,8 @@
         </p:blipFill>
         <p:spPr>
           <a:xfrm>
-            <a:off x="0" y="1076664"/>
-            <a:ext cx="5482782" cy="5711585"/>
+            <a:off x="-1" y="1253330"/>
+            <a:ext cx="5350671" cy="5766097"/>
           </a:xfrm>
         </p:spPr>
       </p:pic>
